--- a/tests/test_data/test-script.pptx
+++ b/tests/test_data/test-script.pptx
@@ -3508,37 +3508,9 @@
         <p:nvPr/>
       </p:nvGrpSpPr>
       <p:grpSpPr/>
-      <p:sp>
-        <p:nvSpPr>
-          <p:cNvPr id="2" name="TextBox 1"/>
-          <p:cNvSpPr txBox="1"/>
-          <p:nvPr/>
-        </p:nvSpPr>
-        <p:spPr>
-          <a:xfrm>
-            <a:off x="914400" y="914400"/>
-            <a:ext cx="7315200" cy="1371600"/>
-          </a:xfrm>
-          <a:prstGeom prst="rect">
-            <a:avLst/>
-          </a:prstGeom>
-          <a:noFill/>
-        </p:spPr>
-        <p:txBody>
-          <a:bodyPr wrap="none">
-            <a:spAutoFit/>
-          </a:bodyPr>
-          <a:lstStyle/>
-          <a:p>
-            <a:r>
-              <a:t>Title</a:t>
-            </a:r>
-          </a:p>
-        </p:txBody>
-      </p:sp>
       <p:pic>
         <p:nvPicPr>
-          <p:cNvPr id="3" name="Picture 2" descr="test-image-sl.jpg"/>
+          <p:cNvPr id="2" name="Picture 1" descr="test-image-sl.jpg"/>
           <p:cNvPicPr>
             <a:picLocks noChangeAspect="1"/>
           </p:cNvPicPr>
@@ -3552,8 +3524,8 @@
         </p:blipFill>
         <p:spPr>
           <a:xfrm>
-            <a:off x="0" y="0"/>
-            <a:ext cx="9144000" cy="6858000"/>
+            <a:off x="0" y="196107"/>
+            <a:ext cx="9144000" cy="6465784"/>
           </a:xfrm>
           <a:prstGeom prst="rect">
             <a:avLst/>

--- a/tests/test_data/test-script.pptx
+++ b/tests/test_data/test-script.pptx
@@ -3510,7 +3510,7 @@
       <p:grpSpPr/>
       <p:pic>
         <p:nvPicPr>
-          <p:cNvPr id="2" name="Picture 1" descr="test-image-sl.jpg"/>
+          <p:cNvPr id="2" name="Picture 1" descr="highlighted_dlkr5iks.png"/>
           <p:cNvPicPr>
             <a:picLocks noChangeAspect="1"/>
           </p:cNvPicPr>
